--- a/report/재귀함수 보고서.pptx
+++ b/report/재귀함수 보고서.pptx
@@ -1,17 +1,17 @@
 
 <file path=ppt/presentation.xml><?xml version="1.0" encoding="utf-8"?>
-<p:presentation xmlns:a="http://schemas.openxmlformats.org/drawingml/2006/main" xmlns:r="http://schemas.openxmlformats.org/officeDocument/2006/relationships" xmlns:p="http://schemas.openxmlformats.org/presentationml/2006/main" saveSubsetFonts="1">
+<p:presentation xmlns:a="http://schemas.openxmlformats.org/drawingml/2006/main" xmlns:r="http://schemas.openxmlformats.org/officeDocument/2006/relationships" xmlns:p="http://schemas.openxmlformats.org/presentationml/2006/main" xmlns:p14="http://schemas.microsoft.com/office/powerpoint/2010/main" saveSubsetFonts="1">
   <p:sldMasterIdLst>
-    <p:sldMasterId id="2147483720" r:id="rId1"/>
+    <p:sldMasterId id="2147483721" r:id="rId13"/>
   </p:sldMasterIdLst>
   <p:sldIdLst>
-    <p:sldId id="256" r:id="rId2"/>
-    <p:sldId id="257" r:id="rId3"/>
-    <p:sldId id="258" r:id="rId4"/>
-    <p:sldId id="260" r:id="rId5"/>
-    <p:sldId id="259" r:id="rId6"/>
-    <p:sldId id="262" r:id="rId7"/>
-    <p:sldId id="261" r:id="rId8"/>
+    <p:sldId id="256" r:id="rId15"/>
+    <p:sldId id="257" r:id="rId16"/>
+    <p:sldId id="258" r:id="rId17"/>
+    <p:sldId id="260" r:id="rId18"/>
+    <p:sldId id="259" r:id="rId19"/>
+    <p:sldId id="262" r:id="rId20"/>
+    <p:sldId id="261" r:id="rId21"/>
   </p:sldIdLst>
   <p:sldSz cx="12192000" cy="6858000"/>
   <p:notesSz cx="6858000" cy="9144000"/>
@@ -5659,11 +5659,11 @@
 </file>
 
 <file path=ppt/slides/slide3.xml><?xml version="1.0" encoding="utf-8"?>
-<p:sld xmlns:a="http://schemas.openxmlformats.org/drawingml/2006/main" xmlns:r="http://schemas.openxmlformats.org/officeDocument/2006/relationships" xmlns:p="http://schemas.openxmlformats.org/presentationml/2006/main" show="1">
+<p:sld xmlns:a="http://schemas.openxmlformats.org/drawingml/2006/main" xmlns:r="http://schemas.openxmlformats.org/officeDocument/2006/relationships" xmlns:p="http://schemas.openxmlformats.org/presentationml/2006/main" xmlns:p14="http://schemas.microsoft.com/office/powerpoint/2010/main">
   <p:cSld>
     <p:bg>
       <p:bgPr>
-        <a:gradFill>
+        <a:gradFill rotWithShape="1">
           <a:gsLst>
             <a:gs pos="0">
               <a:schemeClr val="accent1">
@@ -5775,19 +5775,19 @@
           </p:nvPr>
         </p:nvSpPr>
         <p:spPr>
-          <a:xfrm rot="0">
+          <a:xfrm>
             <a:off x="609600" y="1702435"/>
-            <a:ext cx="10973435" cy="4526915"/>
-          </a:xfrm>
-          <a:prstGeom prst="rect"/>
-        </p:spPr>
-        <p:txBody>
-          <a:bodyPr wrap="square" lIns="91440" tIns="45720" rIns="91440" bIns="45720" vert="horz" anchor="t">
+            <a:ext cx="10974070" cy="4527550"/>
+          </a:xfrm>
+          <a:prstGeom prst="rect"/>
+        </p:spPr>
+        <p:txBody>
+          <a:bodyPr wrap="square" lIns="91440" tIns="45720" rIns="91440" bIns="45720" numCol="1" vert="horz" anchor="t">
             <a:normAutofit fontScale="100000" lnSpcReduction="0"/>
           </a:bodyPr>
           <a:lstStyle/>
           <a:p>
-            <a:pPr marL="0" indent="0" algn="l" fontAlgn="auto" defTabSz="508000">
+            <a:pPr marL="0" indent="0" algn="l" fontAlgn="auto" defTabSz="508000" eaLnBrk="0">
               <a:lnSpc>
                 <a:spcPct val="90000"/>
               </a:lnSpc>
@@ -5808,7 +5808,7 @@
                 <a:latin typeface="맑은 고딕" charset="0"/>
                 <a:ea typeface="맑은 고딕" charset="0"/>
               </a:rPr>
-              <a:t>무한루프에 빠지지 않기 위해 일정한 탈출 조건이 있어야함</a:t>
+              <a:t>무한루프에 빠지지 않기 위해 일정한 탈출 조건이 있어야한다.</a:t>
             </a:r>
             <a:endParaRPr lang="ko-KR" altLang="en-US" sz="2800" cap="none" dirty="0" smtClean="0" b="0">
               <a:solidFill>
@@ -5819,7 +5819,7 @@
             </a:endParaRPr>
           </a:p>
           <a:p>
-            <a:pPr marL="0" indent="0" algn="l" fontAlgn="auto" defTabSz="508000">
+            <a:pPr marL="0" indent="0" algn="l" fontAlgn="auto" defTabSz="508000" eaLnBrk="0">
               <a:lnSpc>
                 <a:spcPct val="90000"/>
               </a:lnSpc>
@@ -5841,7 +5841,7 @@
             </a:endParaRPr>
           </a:p>
           <a:p>
-            <a:pPr marL="0" indent="0" algn="l" fontAlgn="auto" defTabSz="508000">
+            <a:pPr marL="0" indent="0" algn="l" fontAlgn="auto" defTabSz="508000" eaLnBrk="0">
               <a:lnSpc>
                 <a:spcPct val="90000"/>
               </a:lnSpc>
@@ -5862,7 +5862,7 @@
                 <a:latin typeface="맑은 고딕" charset="0"/>
                 <a:ea typeface="맑은 고딕" charset="0"/>
               </a:rPr>
-              <a:t>코드를 단순화 할수있음</a:t>
+              <a:t>코드를 단순화 할수있다.</a:t>
             </a:r>
             <a:endParaRPr lang="ko-KR" altLang="en-US" sz="2800" cap="none" dirty="0" smtClean="0" b="0">
               <a:solidFill>
@@ -5873,7 +5873,7 @@
             </a:endParaRPr>
           </a:p>
           <a:p>
-            <a:pPr marL="0" indent="0" algn="l" fontAlgn="auto" defTabSz="508000">
+            <a:pPr marL="0" indent="0" algn="l" fontAlgn="auto" defTabSz="508000" eaLnBrk="0">
               <a:lnSpc>
                 <a:spcPct val="90000"/>
               </a:lnSpc>
@@ -5895,7 +5895,7 @@
             </a:endParaRPr>
           </a:p>
           <a:p>
-            <a:pPr marL="0" indent="0" algn="l" fontAlgn="auto" defTabSz="508000">
+            <a:pPr marL="0" indent="0" algn="l" fontAlgn="auto" defTabSz="508000" eaLnBrk="0">
               <a:lnSpc>
                 <a:spcPct val="90000"/>
               </a:lnSpc>
@@ -5927,7 +5927,7 @@
             </a:endParaRPr>
           </a:p>
           <a:p>
-            <a:pPr marL="0" indent="0" algn="l" fontAlgn="auto" defTabSz="508000">
+            <a:pPr marL="0" indent="0" algn="l" fontAlgn="auto" defTabSz="508000" eaLnBrk="0">
               <a:lnSpc>
                 <a:spcPct val="90000"/>
               </a:lnSpc>
@@ -5959,7 +5959,7 @@
             </a:endParaRPr>
           </a:p>
           <a:p>
-            <a:pPr marL="0" indent="0" algn="l" fontAlgn="auto" defTabSz="508000">
+            <a:pPr marL="0" indent="0" algn="l" fontAlgn="auto" defTabSz="508000" eaLnBrk="0">
               <a:lnSpc>
                 <a:spcPct val="90000"/>
               </a:lnSpc>
@@ -5981,7 +5981,7 @@
             </a:endParaRPr>
           </a:p>
           <a:p>
-            <a:pPr marL="0" indent="0" algn="l" fontAlgn="auto" defTabSz="508000">
+            <a:pPr marL="0" indent="0" algn="l" fontAlgn="auto" defTabSz="508000" eaLnBrk="0">
               <a:lnSpc>
                 <a:spcPct val="90000"/>
               </a:lnSpc>
@@ -6013,7 +6013,7 @@
             </a:endParaRPr>
           </a:p>
           <a:p>
-            <a:pPr marL="0" indent="0" algn="l" fontAlgn="auto" defTabSz="508000">
+            <a:pPr marL="0" indent="0" algn="l" fontAlgn="auto" defTabSz="508000" eaLnBrk="0">
               <a:lnSpc>
                 <a:spcPct val="90000"/>
               </a:lnSpc>
@@ -6035,7 +6035,7 @@
             </a:endParaRPr>
           </a:p>
           <a:p>
-            <a:pPr marL="0" indent="0" algn="l" fontAlgn="auto" defTabSz="508000">
+            <a:pPr marL="0" indent="0" algn="l" fontAlgn="auto" defTabSz="508000" eaLnBrk="0">
               <a:lnSpc>
                 <a:spcPct val="90000"/>
               </a:lnSpc>
@@ -6056,7 +6056,7 @@
                 <a:latin typeface="맑은 고딕" charset="0"/>
                 <a:ea typeface="맑은 고딕" charset="0"/>
               </a:rPr>
-              <a:t>디버깅 및 실행흐름을 파악하기 힘들다</a:t>
+              <a:t>디버깅 및 실행흐름을 파악하기 힘들다.</a:t>
             </a:r>
             <a:endParaRPr lang="ko-KR" altLang="en-US" sz="2800" cap="none" dirty="0" smtClean="0" b="0">
               <a:solidFill>
@@ -6075,12 +6075,19 @@
   </p:clrMapOvr>
   <mc:AlternateContent xmlns:mc="http://schemas.openxmlformats.org/markup-compatibility/2006">
     <mc:Choice xmlns:p14="http://schemas.microsoft.com/office/powerpoint/2010/main" Requires="p14">
-      <p:transition spd="slow" p14:dur="0"/>
+      <p:transition spd="slow" p14:dur="2000"/>
     </mc:Choice>
     <mc:Fallback>
       <p:transition spd="slow"/>
     </mc:Fallback>
   </mc:AlternateContent>
+  <p:timing>
+    <p:tnLst>
+      <p:par>
+        <p:cTn id="1" dur="indefinite" restart="never" nodeType="tmRoot"/>
+      </p:par>
+    </p:tnLst>
+  </p:timing>
 </p:sld>
 </file>
 
